--- a/design-files/icon.pptx
+++ b/design-files/icon.pptx
@@ -1535,7 +1535,7 @@
             <a:fld id="{48A87A34-81AB-432B-8DAE-1953F412C126}" type="datetimeFigureOut">
               <a:rPr lang="en-US" dirty="0"/>
               <a:pPr/>
-              <a:t>1/27/21</a:t>
+              <a:t>1/29/21</a:t>
             </a:fld>
             <a:endParaRPr lang="en-US" dirty="0"/>
           </a:p>
@@ -2994,7 +2994,7 @@
           <a:p>
             <a:fld id="{48A87A34-81AB-432B-8DAE-1953F412C126}" type="datetimeFigureOut">
               <a:rPr lang="en-US" dirty="0"/>
-              <a:t>1/27/21</a:t>
+              <a:t>1/29/21</a:t>
             </a:fld>
             <a:endParaRPr lang="en-US" dirty="0"/>
           </a:p>
@@ -4447,7 +4447,7 @@
           <a:p>
             <a:fld id="{48A87A34-81AB-432B-8DAE-1953F412C126}" type="datetimeFigureOut">
               <a:rPr lang="en-US" dirty="0"/>
-              <a:t>1/27/21</a:t>
+              <a:t>1/29/21</a:t>
             </a:fld>
             <a:endParaRPr lang="en-US" dirty="0"/>
           </a:p>
@@ -4633,7 +4633,7 @@
             <a:fld id="{45035A38-16F1-416B-B876-96D894A2DCAD}" type="datetimeFigureOut">
               <a:rPr lang="en-GB" smtClean="0"/>
               <a:pPr/>
-              <a:t>27/01/2021</a:t>
+              <a:t>29/01/2021</a:t>
             </a:fld>
             <a:endParaRPr lang="en-GB"/>
           </a:p>
@@ -6247,7 +6247,7 @@
             <a:fld id="{45035A38-16F1-416B-B876-96D894A2DCAD}" type="datetimeFigureOut">
               <a:rPr lang="en-GB" smtClean="0"/>
               <a:pPr/>
-              <a:t>27/01/2021</a:t>
+              <a:t>29/01/2021</a:t>
             </a:fld>
             <a:endParaRPr lang="en-GB"/>
           </a:p>
@@ -7757,7 +7757,7 @@
             <a:fld id="{45035A38-16F1-416B-B876-96D894A2DCAD}" type="datetimeFigureOut">
               <a:rPr lang="en-GB" smtClean="0"/>
               <a:pPr/>
-              <a:t>27/01/2021</a:t>
+              <a:t>29/01/2021</a:t>
             </a:fld>
             <a:endParaRPr lang="en-GB"/>
           </a:p>
@@ -9280,7 +9280,7 @@
             <a:fld id="{45035A38-16F1-416B-B876-96D894A2DCAD}" type="datetimeFigureOut">
               <a:rPr lang="en-GB" smtClean="0"/>
               <a:pPr/>
-              <a:t>27/01/2021</a:t>
+              <a:t>29/01/2021</a:t>
             </a:fld>
             <a:endParaRPr lang="en-GB"/>
           </a:p>
@@ -10947,7 +10947,7 @@
             <a:fld id="{45035A38-16F1-416B-B876-96D894A2DCAD}" type="datetimeFigureOut">
               <a:rPr lang="en-GB" smtClean="0"/>
               <a:pPr/>
-              <a:t>27/01/2021</a:t>
+              <a:t>29/01/2021</a:t>
             </a:fld>
             <a:endParaRPr lang="en-GB"/>
           </a:p>
@@ -12347,7 +12347,7 @@
             <a:fld id="{45035A38-16F1-416B-B876-96D894A2DCAD}" type="datetimeFigureOut">
               <a:rPr lang="en-GB" smtClean="0"/>
               <a:pPr/>
-              <a:t>27/01/2021</a:t>
+              <a:t>29/01/2021</a:t>
             </a:fld>
             <a:endParaRPr lang="en-GB"/>
           </a:p>
@@ -12449,7 +12449,7 @@
             <a:fld id="{45035A38-16F1-416B-B876-96D894A2DCAD}" type="datetimeFigureOut">
               <a:rPr lang="en-GB" smtClean="0"/>
               <a:pPr/>
-              <a:t>27/01/2021</a:t>
+              <a:t>29/01/2021</a:t>
             </a:fld>
             <a:endParaRPr lang="en-GB"/>
           </a:p>
@@ -13977,7 +13977,7 @@
             <a:fld id="{45035A38-16F1-416B-B876-96D894A2DCAD}" type="datetimeFigureOut">
               <a:rPr lang="en-GB" smtClean="0"/>
               <a:pPr/>
-              <a:t>27/01/2021</a:t>
+              <a:t>29/01/2021</a:t>
             </a:fld>
             <a:endParaRPr lang="en-GB"/>
           </a:p>
@@ -15515,7 +15515,7 @@
             <a:fld id="{45035A38-16F1-416B-B876-96D894A2DCAD}" type="datetimeFigureOut">
               <a:rPr lang="en-GB" smtClean="0"/>
               <a:pPr/>
-              <a:t>27/01/2021</a:t>
+              <a:t>29/01/2021</a:t>
             </a:fld>
             <a:endParaRPr lang="en-GB"/>
           </a:p>
@@ -15740,7 +15740,7 @@
             <a:fld id="{48A87A34-81AB-432B-8DAE-1953F412C126}" type="datetimeFigureOut">
               <a:rPr lang="en-US" dirty="0"/>
               <a:pPr/>
-              <a:t>1/27/21</a:t>
+              <a:t>1/29/21</a:t>
             </a:fld>
             <a:endParaRPr lang="en-US" dirty="0"/>
           </a:p>
@@ -16195,10 +16195,10 @@
       </p:grpSpPr>
       <p:sp>
         <p:nvSpPr>
-          <p:cNvPr id="35" name="Freeform 34">
+          <p:cNvPr id="9" name="Freeform 8">
             <a:extLst>
               <a:ext uri="{FF2B5EF4-FFF2-40B4-BE49-F238E27FC236}">
-                <a16:creationId xmlns:a16="http://schemas.microsoft.com/office/drawing/2014/main" id="{6BCC0373-01F2-5F4F-B1B1-3C17C56E0C7A}"/>
+                <a16:creationId xmlns:a16="http://schemas.microsoft.com/office/drawing/2014/main" id="{EE4C8A60-9369-744C-927B-3CBC9EDECDE1}"/>
               </a:ext>
             </a:extLst>
           </p:cNvPr>
@@ -16207,8 +16207,8 @@
         </p:nvSpPr>
         <p:spPr>
           <a:xfrm flipH="1">
-            <a:off x="3556323" y="1573631"/>
-            <a:ext cx="2786436" cy="1576132"/>
+            <a:off x="3129918" y="1985784"/>
+            <a:ext cx="1812625" cy="1409089"/>
           </a:xfrm>
           <a:custGeom>
             <a:avLst/>
@@ -16369,10 +16369,12 @@
             </a:pathLst>
           </a:custGeom>
           <a:solidFill>
-            <a:srgbClr val="CFCFCF"/>
+            <a:srgbClr val="C3C1C5"/>
           </a:solidFill>
-          <a:ln>
-            <a:noFill/>
+          <a:ln w="76200">
+            <a:solidFill>
+              <a:srgbClr val="D11784"/>
+            </a:solidFill>
           </a:ln>
         </p:spPr>
         <p:style>
@@ -16392,127 +16394,361 @@
           </a:fontRef>
         </p:style>
         <p:txBody>
-          <a:bodyPr wrap="square" rtlCol="0" anchor="ctr">
+          <a:bodyPr vert="vert270" wrap="square" lIns="36000" rtlCol="0" anchor="t">
             <a:noAutofit/>
           </a:bodyPr>
           <a:lstStyle/>
           <a:p>
             <a:pPr algn="ctr"/>
-            <a:endParaRPr lang="en-US" sz="4400"/>
+            <a:r>
+              <a:rPr lang="en-US" sz="5400" dirty="0">
+                <a:solidFill>
+                  <a:schemeClr val="bg1"/>
+                </a:solidFill>
+                <a:latin typeface="Consolas" panose="020B0609020204030204" pitchFamily="49" charset="0"/>
+                <a:cs typeface="Consolas" panose="020B0609020204030204" pitchFamily="49" charset="0"/>
+              </a:rPr>
+              <a:t>Tab</a:t>
+            </a:r>
+            <a:endParaRPr lang="en-US" sz="8000" dirty="0">
+              <a:solidFill>
+                <a:schemeClr val="bg1"/>
+              </a:solidFill>
+              <a:latin typeface="Consolas" panose="020B0609020204030204" pitchFamily="49" charset="0"/>
+              <a:cs typeface="Consolas" panose="020B0609020204030204" pitchFamily="49" charset="0"/>
+            </a:endParaRPr>
           </a:p>
         </p:txBody>
       </p:sp>
+      <p:pic>
+        <p:nvPicPr>
+          <p:cNvPr id="11" name="Picture 10">
+            <a:extLst>
+              <a:ext uri="{FF2B5EF4-FFF2-40B4-BE49-F238E27FC236}">
+                <a16:creationId xmlns:a16="http://schemas.microsoft.com/office/drawing/2014/main" id="{51E77E2F-A207-A044-8447-3FB8A8474196}"/>
+              </a:ext>
+            </a:extLst>
+          </p:cNvPr>
+          <p:cNvPicPr>
+            <a:picLocks noChangeAspect="1"/>
+          </p:cNvPicPr>
+          <p:nvPr/>
+        </p:nvPicPr>
+        <p:blipFill>
+          <a:blip r:embed="rId2"/>
+          <a:stretch>
+            <a:fillRect/>
+          </a:stretch>
+        </p:blipFill>
+        <p:spPr>
+          <a:xfrm>
+            <a:off x="7875316" y="1857617"/>
+            <a:ext cx="1246382" cy="832712"/>
+          </a:xfrm>
+          <a:prstGeom prst="rect">
+            <a:avLst/>
+          </a:prstGeom>
+        </p:spPr>
+      </p:pic>
+      <p:pic>
+        <p:nvPicPr>
+          <p:cNvPr id="19" name="Picture 18">
+            <a:extLst>
+              <a:ext uri="{FF2B5EF4-FFF2-40B4-BE49-F238E27FC236}">
+                <a16:creationId xmlns:a16="http://schemas.microsoft.com/office/drawing/2014/main" id="{0963E112-5B87-104C-BBB0-18D62EB409E8}"/>
+              </a:ext>
+            </a:extLst>
+          </p:cNvPr>
+          <p:cNvPicPr>
+            <a:picLocks noChangeAspect="1"/>
+          </p:cNvPicPr>
+          <p:nvPr/>
+        </p:nvPicPr>
+        <p:blipFill rotWithShape="1">
+          <a:blip r:embed="rId3">
+            <a:lum bright="-40000"/>
+            <a:alphaModFix amt="50000"/>
+          </a:blip>
+          <a:srcRect r="40456" b="18334"/>
+          <a:stretch/>
+        </p:blipFill>
+        <p:spPr>
+          <a:xfrm>
+            <a:off x="3734015" y="2219525"/>
+            <a:ext cx="1126743" cy="1213485"/>
+          </a:xfrm>
+          <a:prstGeom prst="rect">
+            <a:avLst/>
+          </a:prstGeom>
+        </p:spPr>
+      </p:pic>
       <p:sp>
         <p:nvSpPr>
-          <p:cNvPr id="2" name="Title 1">
+          <p:cNvPr id="16" name="Freeform 15">
             <a:extLst>
               <a:ext uri="{FF2B5EF4-FFF2-40B4-BE49-F238E27FC236}">
-                <a16:creationId xmlns:a16="http://schemas.microsoft.com/office/drawing/2014/main" id="{54931D2B-7EA3-4242-A759-85275FBAA90A}"/>
+                <a16:creationId xmlns:a16="http://schemas.microsoft.com/office/drawing/2014/main" id="{5EEB0F17-C2FD-AC48-BDA7-2FC78880C1DA}"/>
               </a:ext>
             </a:extLst>
           </p:cNvPr>
-          <p:cNvSpPr>
-            <a:spLocks noGrp="1"/>
-          </p:cNvSpPr>
-          <p:nvPr>
-            <p:ph type="title"/>
-          </p:nvPr>
+          <p:cNvSpPr/>
+          <p:nvPr/>
         </p:nvSpPr>
         <p:spPr>
-          <a:xfrm>
-            <a:off x="2983163" y="1335589"/>
-            <a:ext cx="3929612" cy="2350038"/>
+          <a:xfrm flipH="1">
+            <a:off x="3815416" y="2284669"/>
+            <a:ext cx="1812625" cy="1409089"/>
           </a:xfrm>
+          <a:custGeom>
+            <a:avLst/>
+            <a:gdLst>
+              <a:gd name="connsiteX0" fmla="*/ 643908 w 1287816"/>
+              <a:gd name="connsiteY0" fmla="*/ 0 h 1052693"/>
+              <a:gd name="connsiteX1" fmla="*/ 286280 w 1287816"/>
+              <a:gd name="connsiteY1" fmla="*/ 0 h 1052693"/>
+              <a:gd name="connsiteX2" fmla="*/ 84236 w 1287816"/>
+              <a:gd name="connsiteY2" fmla="*/ 175603 h 1052693"/>
+              <a:gd name="connsiteX3" fmla="*/ 84236 w 1287816"/>
+              <a:gd name="connsiteY3" fmla="*/ 837920 h 1052693"/>
+              <a:gd name="connsiteX4" fmla="*/ 84236 w 1287816"/>
+              <a:gd name="connsiteY4" fmla="*/ 877993 h 1052693"/>
+              <a:gd name="connsiteX5" fmla="*/ 84236 w 1287816"/>
+              <a:gd name="connsiteY5" fmla="*/ 966892 h 1052693"/>
+              <a:gd name="connsiteX6" fmla="*/ 23308 w 1287816"/>
+              <a:gd name="connsiteY6" fmla="*/ 1046782 h 1052693"/>
+              <a:gd name="connsiteX7" fmla="*/ 0 w 1287816"/>
+              <a:gd name="connsiteY7" fmla="*/ 1050872 h 1052693"/>
+              <a:gd name="connsiteX8" fmla="*/ 643908 w 1287816"/>
+              <a:gd name="connsiteY8" fmla="*/ 1052693 h 1052693"/>
+              <a:gd name="connsiteX9" fmla="*/ 1287816 w 1287816"/>
+              <a:gd name="connsiteY9" fmla="*/ 1050872 h 1052693"/>
+              <a:gd name="connsiteX10" fmla="*/ 1264508 w 1287816"/>
+              <a:gd name="connsiteY10" fmla="*/ 1046782 h 1052693"/>
+              <a:gd name="connsiteX11" fmla="*/ 1203580 w 1287816"/>
+              <a:gd name="connsiteY11" fmla="*/ 966892 h 1052693"/>
+              <a:gd name="connsiteX12" fmla="*/ 1203580 w 1287816"/>
+              <a:gd name="connsiteY12" fmla="*/ 877993 h 1052693"/>
+              <a:gd name="connsiteX13" fmla="*/ 1203580 w 1287816"/>
+              <a:gd name="connsiteY13" fmla="*/ 837920 h 1052693"/>
+              <a:gd name="connsiteX14" fmla="*/ 1203580 w 1287816"/>
+              <a:gd name="connsiteY14" fmla="*/ 175603 h 1052693"/>
+              <a:gd name="connsiteX15" fmla="*/ 1001536 w 1287816"/>
+              <a:gd name="connsiteY15" fmla="*/ 0 h 1052693"/>
+              <a:gd name="connsiteX16" fmla="*/ 643908 w 1287816"/>
+              <a:gd name="connsiteY16" fmla="*/ 0 h 1052693"/>
+            </a:gdLst>
+            <a:ahLst/>
+            <a:cxnLst>
+              <a:cxn ang="0">
+                <a:pos x="connsiteX0" y="connsiteY0"/>
+              </a:cxn>
+              <a:cxn ang="0">
+                <a:pos x="connsiteX1" y="connsiteY1"/>
+              </a:cxn>
+              <a:cxn ang="0">
+                <a:pos x="connsiteX2" y="connsiteY2"/>
+              </a:cxn>
+              <a:cxn ang="0">
+                <a:pos x="connsiteX3" y="connsiteY3"/>
+              </a:cxn>
+              <a:cxn ang="0">
+                <a:pos x="connsiteX4" y="connsiteY4"/>
+              </a:cxn>
+              <a:cxn ang="0">
+                <a:pos x="connsiteX5" y="connsiteY5"/>
+              </a:cxn>
+              <a:cxn ang="0">
+                <a:pos x="connsiteX6" y="connsiteY6"/>
+              </a:cxn>
+              <a:cxn ang="0">
+                <a:pos x="connsiteX7" y="connsiteY7"/>
+              </a:cxn>
+              <a:cxn ang="0">
+                <a:pos x="connsiteX8" y="connsiteY8"/>
+              </a:cxn>
+              <a:cxn ang="0">
+                <a:pos x="connsiteX9" y="connsiteY9"/>
+              </a:cxn>
+              <a:cxn ang="0">
+                <a:pos x="connsiteX10" y="connsiteY10"/>
+              </a:cxn>
+              <a:cxn ang="0">
+                <a:pos x="connsiteX11" y="connsiteY11"/>
+              </a:cxn>
+              <a:cxn ang="0">
+                <a:pos x="connsiteX12" y="connsiteY12"/>
+              </a:cxn>
+              <a:cxn ang="0">
+                <a:pos x="connsiteX13" y="connsiteY13"/>
+              </a:cxn>
+              <a:cxn ang="0">
+                <a:pos x="connsiteX14" y="connsiteY14"/>
+              </a:cxn>
+              <a:cxn ang="0">
+                <a:pos x="connsiteX15" y="connsiteY15"/>
+              </a:cxn>
+              <a:cxn ang="0">
+                <a:pos x="connsiteX16" y="connsiteY16"/>
+              </a:cxn>
+            </a:cxnLst>
+            <a:rect l="l" t="t" r="r" b="b"/>
+            <a:pathLst>
+              <a:path w="1287816" h="1052693">
+                <a:moveTo>
+                  <a:pt x="643908" y="0"/>
+                </a:moveTo>
+                <a:lnTo>
+                  <a:pt x="286280" y="0"/>
+                </a:lnTo>
+                <a:cubicBezTo>
+                  <a:pt x="174694" y="0"/>
+                  <a:pt x="84236" y="78620"/>
+                  <a:pt x="84236" y="175603"/>
+                </a:cubicBezTo>
+                <a:lnTo>
+                  <a:pt x="84236" y="837920"/>
+                </a:lnTo>
+                <a:lnTo>
+                  <a:pt x="84236" y="877993"/>
+                </a:lnTo>
+                <a:lnTo>
+                  <a:pt x="84236" y="966892"/>
+                </a:lnTo>
+                <a:cubicBezTo>
+                  <a:pt x="84236" y="1002806"/>
+                  <a:pt x="59113" y="1033620"/>
+                  <a:pt x="23308" y="1046782"/>
+                </a:cubicBezTo>
+                <a:lnTo>
+                  <a:pt x="0" y="1050872"/>
+                </a:lnTo>
+                <a:lnTo>
+                  <a:pt x="643908" y="1052693"/>
+                </a:lnTo>
+                <a:lnTo>
+                  <a:pt x="1287816" y="1050872"/>
+                </a:lnTo>
+                <a:lnTo>
+                  <a:pt x="1264508" y="1046782"/>
+                </a:lnTo>
+                <a:cubicBezTo>
+                  <a:pt x="1228704" y="1033620"/>
+                  <a:pt x="1203580" y="1002806"/>
+                  <a:pt x="1203580" y="966892"/>
+                </a:cubicBezTo>
+                <a:lnTo>
+                  <a:pt x="1203580" y="877993"/>
+                </a:lnTo>
+                <a:lnTo>
+                  <a:pt x="1203580" y="837920"/>
+                </a:lnTo>
+                <a:lnTo>
+                  <a:pt x="1203580" y="175603"/>
+                </a:lnTo>
+                <a:cubicBezTo>
+                  <a:pt x="1203580" y="78620"/>
+                  <a:pt x="1113122" y="0"/>
+                  <a:pt x="1001536" y="0"/>
+                </a:cubicBezTo>
+                <a:lnTo>
+                  <a:pt x="643908" y="0"/>
+                </a:lnTo>
+                <a:close/>
+              </a:path>
+            </a:pathLst>
+          </a:custGeom>
+          <a:gradFill>
+            <a:gsLst>
+              <a:gs pos="0">
+                <a:srgbClr val="CFCFCF">
+                  <a:alpha val="42000"/>
+                </a:srgbClr>
+              </a:gs>
+              <a:gs pos="49000">
+                <a:schemeClr val="tx1">
+                  <a:lumMod val="85000"/>
+                </a:schemeClr>
+              </a:gs>
+              <a:gs pos="100000">
+                <a:schemeClr val="tx1">
+                  <a:lumMod val="84000"/>
+                </a:schemeClr>
+              </a:gs>
+            </a:gsLst>
+            <a:lin ang="6000000" scaled="0"/>
+          </a:gradFill>
+          <a:ln w="76200">
+            <a:solidFill>
+              <a:srgbClr val="037B83"/>
+            </a:solidFill>
+          </a:ln>
         </p:spPr>
+        <p:style>
+          <a:lnRef idx="2">
+            <a:schemeClr val="accent1">
+              <a:shade val="50000"/>
+            </a:schemeClr>
+          </a:lnRef>
+          <a:fillRef idx="1">
+            <a:schemeClr val="accent1"/>
+          </a:fillRef>
+          <a:effectRef idx="0">
+            <a:schemeClr val="accent1"/>
+          </a:effectRef>
+          <a:fontRef idx="minor">
+            <a:schemeClr val="lt1"/>
+          </a:fontRef>
+        </p:style>
         <p:txBody>
-          <a:bodyPr>
-            <a:normAutofit/>
+          <a:bodyPr wrap="square" lIns="0" rIns="54000" rtlCol="0" anchor="ctr">
+            <a:noAutofit/>
           </a:bodyPr>
           <a:lstStyle/>
           <a:p>
             <a:pPr algn="ctr"/>
             <a:r>
-              <a:rPr lang="en-US" sz="9600" b="1" spc="-300" dirty="0">
+              <a:rPr lang="en-US" sz="5400" spc="-300" dirty="0">
                 <a:solidFill>
-                  <a:schemeClr val="tx1"/>
+                  <a:schemeClr val="bg1"/>
                 </a:solidFill>
-                <a:latin typeface="Ubuntu Condensed" panose="020B0506030602030204" pitchFamily="34" charset="0"/>
+                <a:latin typeface="Consolas" panose="020B0609020204030204" pitchFamily="49" charset="0"/>
+                <a:cs typeface="Consolas" panose="020B0609020204030204" pitchFamily="49" charset="0"/>
               </a:rPr>
-              <a:t>TABS</a:t>
+              <a:t>Hero</a:t>
             </a:r>
-            <a:endParaRPr lang="en-US" sz="13800" b="1" spc="-300" dirty="0">
-              <a:solidFill>
-                <a:schemeClr val="tx1"/>
-              </a:solidFill>
-              <a:latin typeface="Ubuntu Condensed" panose="020B0506030602030204" pitchFamily="34" charset="0"/>
-            </a:endParaRPr>
           </a:p>
         </p:txBody>
       </p:sp>
-      <p:sp>
-        <p:nvSpPr>
-          <p:cNvPr id="36" name="Title 1">
+      <p:pic>
+        <p:nvPicPr>
+          <p:cNvPr id="15" name="Picture 14">
             <a:extLst>
               <a:ext uri="{FF2B5EF4-FFF2-40B4-BE49-F238E27FC236}">
-                <a16:creationId xmlns:a16="http://schemas.microsoft.com/office/drawing/2014/main" id="{43ABA6EE-2D88-EC48-B097-11D48B22865B}"/>
+                <a16:creationId xmlns:a16="http://schemas.microsoft.com/office/drawing/2014/main" id="{C368CED4-DBD7-1C41-A5B5-4C3A9B8B2FE8}"/>
               </a:ext>
             </a:extLst>
           </p:cNvPr>
-          <p:cNvSpPr txBox="1">
-            <a:spLocks/>
-          </p:cNvSpPr>
+          <p:cNvPicPr>
+            <a:picLocks noChangeAspect="1"/>
+          </p:cNvPicPr>
           <p:nvPr/>
-        </p:nvSpPr>
+        </p:nvPicPr>
+        <p:blipFill>
+          <a:blip r:embed="rId4"/>
+          <a:stretch>
+            <a:fillRect/>
+          </a:stretch>
+        </p:blipFill>
         <p:spPr>
           <a:xfrm>
-            <a:off x="2899291" y="844671"/>
-            <a:ext cx="4097356" cy="1219878"/>
+            <a:off x="12682778" y="3433010"/>
+            <a:ext cx="2832100" cy="2120900"/>
           </a:xfrm>
           <a:prstGeom prst="rect">
             <a:avLst/>
           </a:prstGeom>
         </p:spPr>
-        <p:txBody>
-          <a:bodyPr/>
-          <a:lstStyle>
-            <a:lvl1pPr algn="l" defTabSz="682521" rtl="0" eaLnBrk="1" latinLnBrk="0" hangingPunct="1">
-              <a:lnSpc>
-                <a:spcPct val="90000"/>
-              </a:lnSpc>
-              <a:spcBef>
-                <a:spcPct val="0"/>
-              </a:spcBef>
-              <a:buNone/>
-              <a:defRPr sz="3284" b="0" i="0" kern="1200">
-                <a:solidFill>
-                  <a:schemeClr val="bg1"/>
-                </a:solidFill>
-                <a:latin typeface="Ubuntu" panose="020B0504030602030204" pitchFamily="34" charset="0"/>
-                <a:ea typeface="+mj-ea"/>
-                <a:cs typeface="Helvetica Neue" panose="02000503000000020004" pitchFamily="2" charset="0"/>
-              </a:defRPr>
-            </a:lvl1pPr>
-          </a:lstStyle>
-          <a:p>
-            <a:pPr algn="ctr"/>
-            <a:r>
-              <a:rPr lang="en-US" sz="8800" spc="-300" dirty="0">
-                <a:solidFill>
-                  <a:srgbClr val="D11784"/>
-                </a:solidFill>
-                <a:latin typeface="Ubuntu Condensed" panose="020B0506030602030204" pitchFamily="34" charset="0"/>
-              </a:rPr>
-              <a:t>tidy</a:t>
-            </a:r>
-            <a:endParaRPr lang="en-US" sz="11500" b="1" spc="-300" dirty="0">
-              <a:solidFill>
-                <a:srgbClr val="D11784"/>
-              </a:solidFill>
-              <a:latin typeface="Ubuntu Condensed" panose="020B0506030602030204" pitchFamily="34" charset="0"/>
-            </a:endParaRPr>
-          </a:p>
-        </p:txBody>
-      </p:sp>
+      </p:pic>
     </p:spTree>
     <p:extLst>
       <p:ext uri="{BB962C8B-B14F-4D97-AF65-F5344CB8AC3E}">
@@ -28798,64 +29034,6 @@
       </p:grpSpPr>
       <p:sp>
         <p:nvSpPr>
-          <p:cNvPr id="7" name="Rounded Rectangle 6">
-            <a:extLst>
-              <a:ext uri="{FF2B5EF4-FFF2-40B4-BE49-F238E27FC236}">
-                <a16:creationId xmlns:a16="http://schemas.microsoft.com/office/drawing/2014/main" id="{4F9E7799-E061-C144-8B3A-9E7B227A6F4E}"/>
-              </a:ext>
-            </a:extLst>
-          </p:cNvPr>
-          <p:cNvSpPr/>
-          <p:nvPr/>
-        </p:nvSpPr>
-        <p:spPr>
-          <a:xfrm>
-            <a:off x="1115892" y="98315"/>
-            <a:ext cx="7113708" cy="2730611"/>
-          </a:xfrm>
-          <a:prstGeom prst="roundRect">
-            <a:avLst/>
-          </a:prstGeom>
-          <a:solidFill>
-            <a:srgbClr val="037B83">
-              <a:alpha val="13000"/>
-            </a:srgbClr>
-          </a:solidFill>
-          <a:ln w="177800">
-            <a:noFill/>
-          </a:ln>
-        </p:spPr>
-        <p:style>
-          <a:lnRef idx="2">
-            <a:schemeClr val="accent1">
-              <a:shade val="50000"/>
-            </a:schemeClr>
-          </a:lnRef>
-          <a:fillRef idx="1">
-            <a:schemeClr val="accent1"/>
-          </a:fillRef>
-          <a:effectRef idx="0">
-            <a:schemeClr val="accent1"/>
-          </a:effectRef>
-          <a:fontRef idx="minor">
-            <a:schemeClr val="lt1"/>
-          </a:fontRef>
-        </p:style>
-        <p:txBody>
-          <a:bodyPr rtlCol="0" anchor="ctr"/>
-          <a:lstStyle/>
-          <a:p>
-            <a:pPr algn="ctr"/>
-            <a:endParaRPr lang="en-US" sz="28700" dirty="0">
-              <a:solidFill>
-                <a:srgbClr val="037B83"/>
-              </a:solidFill>
-            </a:endParaRPr>
-          </a:p>
-        </p:txBody>
-      </p:sp>
-      <p:sp>
-        <p:nvSpPr>
           <p:cNvPr id="4" name="Rounded Rectangle 3">
             <a:extLst>
               <a:ext uri="{FF2B5EF4-FFF2-40B4-BE49-F238E27FC236}">
@@ -28875,11 +29053,9 @@
             <a:avLst/>
           </a:prstGeom>
           <a:solidFill>
-            <a:srgbClr val="CFCFCF">
-              <a:alpha val="50000"/>
-            </a:srgbClr>
+            <a:srgbClr val="CFCFCF"/>
           </a:solidFill>
-          <a:ln w="177800">
+          <a:ln w="130175">
             <a:solidFill>
               <a:schemeClr val="tx1"/>
             </a:solidFill>
@@ -28963,9 +29139,7 @@
             <a:r>
               <a:rPr lang="en-US" sz="23900" spc="-150" dirty="0">
                 <a:solidFill>
-                  <a:schemeClr val="tx2">
-                    <a:lumMod val="50000"/>
-                  </a:schemeClr>
+                  <a:schemeClr val="bg2"/>
                 </a:solidFill>
                 <a:latin typeface="Rockwell Nova" panose="02060503020205020403" pitchFamily="18" charset="0"/>
               </a:rPr>
@@ -28973,9 +29147,7 @@
             </a:r>
             <a:endParaRPr lang="en-US" sz="28700" spc="-150" dirty="0">
               <a:solidFill>
-                <a:schemeClr val="tx2">
-                  <a:lumMod val="50000"/>
-                </a:schemeClr>
+                <a:schemeClr val="bg2"/>
               </a:solidFill>
               <a:latin typeface="Rockwell Nova" panose="02060503020205020403" pitchFamily="18" charset="0"/>
             </a:endParaRPr>
